--- a/presentations/session_1/Plan Of Action For Next Few Weeks.pptx
+++ b/presentations/session_1/Plan Of Action For Next Few Weeks.pptx
@@ -5,20 +5,21 @@
     <p:sldMasterId id="2147483648" r:id="rId1"/>
   </p:sldMasterIdLst>
   <p:sldIdLst>
-    <p:sldId id="264" r:id="rId2"/>
-    <p:sldId id="265" r:id="rId3"/>
-    <p:sldId id="266" r:id="rId4"/>
-    <p:sldId id="273" r:id="rId5"/>
-    <p:sldId id="268" r:id="rId6"/>
-    <p:sldId id="269" r:id="rId7"/>
-    <p:sldId id="270" r:id="rId8"/>
-    <p:sldId id="271" r:id="rId9"/>
-    <p:sldId id="258" r:id="rId10"/>
-    <p:sldId id="274" r:id="rId11"/>
-    <p:sldId id="257" r:id="rId12"/>
-    <p:sldId id="259" r:id="rId13"/>
-    <p:sldId id="260" r:id="rId14"/>
-    <p:sldId id="262" r:id="rId15"/>
+    <p:sldId id="275" r:id="rId2"/>
+    <p:sldId id="264" r:id="rId3"/>
+    <p:sldId id="265" r:id="rId4"/>
+    <p:sldId id="266" r:id="rId5"/>
+    <p:sldId id="273" r:id="rId6"/>
+    <p:sldId id="268" r:id="rId7"/>
+    <p:sldId id="269" r:id="rId8"/>
+    <p:sldId id="270" r:id="rId9"/>
+    <p:sldId id="271" r:id="rId10"/>
+    <p:sldId id="258" r:id="rId11"/>
+    <p:sldId id="274" r:id="rId12"/>
+    <p:sldId id="257" r:id="rId13"/>
+    <p:sldId id="259" r:id="rId14"/>
+    <p:sldId id="260" r:id="rId15"/>
+    <p:sldId id="262" r:id="rId16"/>
   </p:sldIdLst>
   <p:sldSz cx="12192000" cy="6858000"/>
   <p:notesSz cx="7010400" cy="9296400"/>
@@ -276,7 +277,7 @@
           <a:p>
             <a:fld id="{0815E080-E428-451B-9050-4F4DF215FDEE}" type="datetimeFigureOut">
               <a:rPr lang="en-US" smtClean="0"/>
-              <a:t>1/29/2018</a:t>
+              <a:t>2/6/2018</a:t>
             </a:fld>
             <a:endParaRPr lang="en-US"/>
           </a:p>
@@ -474,7 +475,7 @@
           <a:p>
             <a:fld id="{0815E080-E428-451B-9050-4F4DF215FDEE}" type="datetimeFigureOut">
               <a:rPr lang="en-US" smtClean="0"/>
-              <a:t>1/29/2018</a:t>
+              <a:t>2/6/2018</a:t>
             </a:fld>
             <a:endParaRPr lang="en-US"/>
           </a:p>
@@ -682,7 +683,7 @@
           <a:p>
             <a:fld id="{0815E080-E428-451B-9050-4F4DF215FDEE}" type="datetimeFigureOut">
               <a:rPr lang="en-US" smtClean="0"/>
-              <a:t>1/29/2018</a:t>
+              <a:t>2/6/2018</a:t>
             </a:fld>
             <a:endParaRPr lang="en-US"/>
           </a:p>
@@ -880,7 +881,7 @@
           <a:p>
             <a:fld id="{0815E080-E428-451B-9050-4F4DF215FDEE}" type="datetimeFigureOut">
               <a:rPr lang="en-US" smtClean="0"/>
-              <a:t>1/29/2018</a:t>
+              <a:t>2/6/2018</a:t>
             </a:fld>
             <a:endParaRPr lang="en-US"/>
           </a:p>
@@ -1155,7 +1156,7 @@
           <a:p>
             <a:fld id="{0815E080-E428-451B-9050-4F4DF215FDEE}" type="datetimeFigureOut">
               <a:rPr lang="en-US" smtClean="0"/>
-              <a:t>1/29/2018</a:t>
+              <a:t>2/6/2018</a:t>
             </a:fld>
             <a:endParaRPr lang="en-US"/>
           </a:p>
@@ -1420,7 +1421,7 @@
           <a:p>
             <a:fld id="{0815E080-E428-451B-9050-4F4DF215FDEE}" type="datetimeFigureOut">
               <a:rPr lang="en-US" smtClean="0"/>
-              <a:t>1/29/2018</a:t>
+              <a:t>2/6/2018</a:t>
             </a:fld>
             <a:endParaRPr lang="en-US"/>
           </a:p>
@@ -1832,7 +1833,7 @@
           <a:p>
             <a:fld id="{0815E080-E428-451B-9050-4F4DF215FDEE}" type="datetimeFigureOut">
               <a:rPr lang="en-US" smtClean="0"/>
-              <a:t>1/29/2018</a:t>
+              <a:t>2/6/2018</a:t>
             </a:fld>
             <a:endParaRPr lang="en-US"/>
           </a:p>
@@ -1973,7 +1974,7 @@
           <a:p>
             <a:fld id="{0815E080-E428-451B-9050-4F4DF215FDEE}" type="datetimeFigureOut">
               <a:rPr lang="en-US" smtClean="0"/>
-              <a:t>1/29/2018</a:t>
+              <a:t>2/6/2018</a:t>
             </a:fld>
             <a:endParaRPr lang="en-US"/>
           </a:p>
@@ -2086,7 +2087,7 @@
           <a:p>
             <a:fld id="{0815E080-E428-451B-9050-4F4DF215FDEE}" type="datetimeFigureOut">
               <a:rPr lang="en-US" smtClean="0"/>
-              <a:t>1/29/2018</a:t>
+              <a:t>2/6/2018</a:t>
             </a:fld>
             <a:endParaRPr lang="en-US"/>
           </a:p>
@@ -2397,7 +2398,7 @@
           <a:p>
             <a:fld id="{0815E080-E428-451B-9050-4F4DF215FDEE}" type="datetimeFigureOut">
               <a:rPr lang="en-US" smtClean="0"/>
-              <a:t>1/29/2018</a:t>
+              <a:t>2/6/2018</a:t>
             </a:fld>
             <a:endParaRPr lang="en-US"/>
           </a:p>
@@ -2685,7 +2686,7 @@
           <a:p>
             <a:fld id="{0815E080-E428-451B-9050-4F4DF215FDEE}" type="datetimeFigureOut">
               <a:rPr lang="en-US" smtClean="0"/>
-              <a:t>1/29/2018</a:t>
+              <a:t>2/6/2018</a:t>
             </a:fld>
             <a:endParaRPr lang="en-US"/>
           </a:p>
@@ -2926,7 +2927,7 @@
           <a:p>
             <a:fld id="{0815E080-E428-451B-9050-4F4DF215FDEE}" type="datetimeFigureOut">
               <a:rPr lang="en-US" smtClean="0"/>
-              <a:t>1/29/2018</a:t>
+              <a:t>2/6/2018</a:t>
             </a:fld>
             <a:endParaRPr lang="en-US"/>
           </a:p>
@@ -3348,43 +3349,15 @@
           <p:cNvPr id="2" name="Title 1">
             <a:extLst>
               <a:ext uri="{FF2B5EF4-FFF2-40B4-BE49-F238E27FC236}">
-                <a16:creationId xmlns:a16="http://schemas.microsoft.com/office/drawing/2014/main" id="{1C6B5D7B-6B59-42C0-8276-7AEB1EBA0B0E}"/>
-              </a:ext>
-            </a:extLst>
-          </p:cNvPr>
-          <p:cNvSpPr>
-            <a:spLocks noGrp="1"/>
-          </p:cNvSpPr>
-          <p:nvPr>
-            <p:ph type="ctrTitle"/>
-          </p:nvPr>
-        </p:nvSpPr>
-        <p:spPr/>
-        <p:txBody>
-          <a:bodyPr/>
-          <a:lstStyle/>
-          <a:p>
-            <a:r>
-              <a:rPr lang="en-US" dirty="0"/>
-              <a:t>New IOT</a:t>
-            </a:r>
-          </a:p>
-        </p:txBody>
-      </p:sp>
-      <p:sp>
-        <p:nvSpPr>
-          <p:cNvPr id="3" name="Subtitle 2">
-            <a:extLst>
-              <a:ext uri="{FF2B5EF4-FFF2-40B4-BE49-F238E27FC236}">
-                <a16:creationId xmlns:a16="http://schemas.microsoft.com/office/drawing/2014/main" id="{BD7F682C-D93D-472F-B8B7-C27B81D962FB}"/>
-              </a:ext>
-            </a:extLst>
-          </p:cNvPr>
-          <p:cNvSpPr>
-            <a:spLocks noGrp="1"/>
-          </p:cNvSpPr>
-          <p:nvPr>
-            <p:ph type="subTitle" idx="1"/>
+                <a16:creationId xmlns:a16="http://schemas.microsoft.com/office/drawing/2014/main" id="{F64B124F-33BF-4CF8-863F-9E0A5BDDAE22}"/>
+              </a:ext>
+            </a:extLst>
+          </p:cNvPr>
+          <p:cNvSpPr>
+            <a:spLocks noGrp="1"/>
+          </p:cNvSpPr>
+          <p:nvPr>
+            <p:ph type="title"/>
           </p:nvPr>
         </p:nvSpPr>
         <p:spPr/>
@@ -3396,19 +3369,54 @@
           <a:p>
             <a:r>
               <a:rPr lang="en-US" dirty="0"/>
-              <a:t>New Architecture</a:t>
-            </a:r>
-          </a:p>
-          <a:p>
-            <a:r>
-              <a:rPr lang="en-US" dirty="0"/>
-              <a:t>New Developer</a:t>
-            </a:r>
-          </a:p>
-          <a:p>
-            <a:r>
-              <a:rPr lang="en-US" dirty="0"/>
-              <a:t>New Technician</a:t>
+              <a:t>All meetup data is here</a:t>
+            </a:r>
+          </a:p>
+        </p:txBody>
+      </p:sp>
+      <p:sp>
+        <p:nvSpPr>
+          <p:cNvPr id="3" name="Content Placeholder 2">
+            <a:extLst>
+              <a:ext uri="{FF2B5EF4-FFF2-40B4-BE49-F238E27FC236}">
+                <a16:creationId xmlns:a16="http://schemas.microsoft.com/office/drawing/2014/main" id="{7728EB4A-9AAB-4478-9FC8-65667FFFB575}"/>
+              </a:ext>
+            </a:extLst>
+          </p:cNvPr>
+          <p:cNvSpPr>
+            <a:spLocks noGrp="1"/>
+          </p:cNvSpPr>
+          <p:nvPr>
+            <p:ph idx="1"/>
+          </p:nvPr>
+        </p:nvSpPr>
+        <p:spPr/>
+        <p:txBody>
+          <a:bodyPr/>
+          <a:lstStyle/>
+          <a:p>
+            <a:r>
+              <a:rPr lang="en-US" dirty="0"/>
+              <a:t>All Data at </a:t>
+            </a:r>
+            <a:r>
+              <a:rPr lang="en-US" dirty="0">
+                <a:hlinkClick r:id="rId2"/>
+              </a:rPr>
+              <a:t>https://github.com/NanoDataCenter/nano_data_center</a:t>
+            </a:r>
+            <a:endParaRPr lang="en-US" dirty="0"/>
+          </a:p>
+          <a:p>
+            <a:r>
+              <a:rPr lang="en-US" dirty="0"/>
+              <a:t>MIT License</a:t>
+            </a:r>
+          </a:p>
+          <a:p>
+            <a:r>
+              <a:rPr lang="en-US" dirty="0"/>
+              <a:t>Use it free and share</a:t>
             </a:r>
           </a:p>
         </p:txBody>
@@ -3416,7 +3424,7 @@
     </p:spTree>
     <p:extLst>
       <p:ext uri="{BB962C8B-B14F-4D97-AF65-F5344CB8AC3E}">
-        <p14:creationId xmlns:p14="http://schemas.microsoft.com/office/powerpoint/2010/main" val="998296621"/>
+        <p14:creationId xmlns:p14="http://schemas.microsoft.com/office/powerpoint/2010/main" val="4259090269"/>
       </p:ext>
     </p:extLst>
   </p:cSld>
@@ -3445,10 +3453,10 @@
       </p:grpSpPr>
       <p:sp>
         <p:nvSpPr>
-          <p:cNvPr id="7" name="Title 6">
-            <a:extLst>
-              <a:ext uri="{FF2B5EF4-FFF2-40B4-BE49-F238E27FC236}">
-                <a16:creationId xmlns:a16="http://schemas.microsoft.com/office/drawing/2014/main" id="{3E5729B8-A8B5-430B-BCD0-A02C46977EDD}"/>
+          <p:cNvPr id="4" name="Title 3">
+            <a:extLst>
+              <a:ext uri="{FF2B5EF4-FFF2-40B4-BE49-F238E27FC236}">
+                <a16:creationId xmlns:a16="http://schemas.microsoft.com/office/drawing/2014/main" id="{78388626-0EAA-4D9E-8CF3-7A4BF2BFC268}"/>
               </a:ext>
             </a:extLst>
           </p:cNvPr>
@@ -3466,7 +3474,99 @@
           <a:p>
             <a:r>
               <a:rPr lang="en-US" dirty="0"/>
-              <a:t>Third Track</a:t>
+              <a:t>Three Tracks </a:t>
+            </a:r>
+          </a:p>
+        </p:txBody>
+      </p:sp>
+      <p:sp>
+        <p:nvSpPr>
+          <p:cNvPr id="5" name="Text Placeholder 4">
+            <a:extLst>
+              <a:ext uri="{FF2B5EF4-FFF2-40B4-BE49-F238E27FC236}">
+                <a16:creationId xmlns:a16="http://schemas.microsoft.com/office/drawing/2014/main" id="{B802BDC1-5A25-4D7D-978B-1F054F1981D9}"/>
+              </a:ext>
+            </a:extLst>
+          </p:cNvPr>
+          <p:cNvSpPr>
+            <a:spLocks noGrp="1"/>
+          </p:cNvSpPr>
+          <p:nvPr>
+            <p:ph type="body" idx="1"/>
+          </p:nvPr>
+        </p:nvSpPr>
+        <p:spPr/>
+        <p:txBody>
+          <a:bodyPr/>
+          <a:lstStyle/>
+          <a:p>
+            <a:r>
+              <a:rPr lang="en-US" dirty="0"/>
+              <a:t>Nano Data Center Track</a:t>
+            </a:r>
+          </a:p>
+        </p:txBody>
+      </p:sp>
+      <p:sp>
+        <p:nvSpPr>
+          <p:cNvPr id="6" name="Content Placeholder 5">
+            <a:extLst>
+              <a:ext uri="{FF2B5EF4-FFF2-40B4-BE49-F238E27FC236}">
+                <a16:creationId xmlns:a16="http://schemas.microsoft.com/office/drawing/2014/main" id="{2071BCA4-6F34-4A21-A98D-0D45ACE3E9B1}"/>
+              </a:ext>
+            </a:extLst>
+          </p:cNvPr>
+          <p:cNvSpPr>
+            <a:spLocks noGrp="1"/>
+          </p:cNvSpPr>
+          <p:nvPr>
+            <p:ph sz="half" idx="2"/>
+          </p:nvPr>
+        </p:nvSpPr>
+        <p:spPr/>
+        <p:txBody>
+          <a:bodyPr>
+            <a:normAutofit fontScale="92500"/>
+          </a:bodyPr>
+          <a:lstStyle/>
+          <a:p>
+            <a:r>
+              <a:rPr lang="en-US" dirty="0"/>
+              <a:t>This section is concerned with the concept behind data centers and the software that is used in the is used in the Nano Data Center. </a:t>
+            </a:r>
+          </a:p>
+          <a:p>
+            <a:r>
+              <a:rPr lang="en-US" dirty="0"/>
+              <a:t>After the Nano Data Center, the IOT infrastructure will be presented. </a:t>
+            </a:r>
+          </a:p>
+        </p:txBody>
+      </p:sp>
+      <p:sp>
+        <p:nvSpPr>
+          <p:cNvPr id="7" name="Text Placeholder 6">
+            <a:extLst>
+              <a:ext uri="{FF2B5EF4-FFF2-40B4-BE49-F238E27FC236}">
+                <a16:creationId xmlns:a16="http://schemas.microsoft.com/office/drawing/2014/main" id="{7328707C-63D5-4903-A919-42CC19089D22}"/>
+              </a:ext>
+            </a:extLst>
+          </p:cNvPr>
+          <p:cNvSpPr>
+            <a:spLocks noGrp="1"/>
+          </p:cNvSpPr>
+          <p:nvPr>
+            <p:ph type="body" sz="quarter" idx="3"/>
+          </p:nvPr>
+        </p:nvSpPr>
+        <p:spPr/>
+        <p:txBody>
+          <a:bodyPr/>
+          <a:lstStyle/>
+          <a:p>
+            <a:r>
+              <a:rPr lang="en-US" dirty="0"/>
+              <a:t>Embedded Track</a:t>
             </a:r>
           </a:p>
         </p:txBody>
@@ -3476,71 +3576,47 @@
           <p:cNvPr id="8" name="Content Placeholder 7">
             <a:extLst>
               <a:ext uri="{FF2B5EF4-FFF2-40B4-BE49-F238E27FC236}">
-                <a16:creationId xmlns:a16="http://schemas.microsoft.com/office/drawing/2014/main" id="{1C75FC93-EAA5-4C9D-94F0-C18A357CF873}"/>
-              </a:ext>
-            </a:extLst>
-          </p:cNvPr>
-          <p:cNvSpPr>
-            <a:spLocks noGrp="1"/>
-          </p:cNvSpPr>
-          <p:nvPr>
-            <p:ph idx="1"/>
+                <a16:creationId xmlns:a16="http://schemas.microsoft.com/office/drawing/2014/main" id="{81A8AD15-0BD0-4237-B893-3AB87CBBB2FA}"/>
+              </a:ext>
+            </a:extLst>
+          </p:cNvPr>
+          <p:cNvSpPr>
+            <a:spLocks noGrp="1"/>
+          </p:cNvSpPr>
+          <p:nvPr>
+            <p:ph sz="quarter" idx="4"/>
           </p:nvPr>
         </p:nvSpPr>
         <p:spPr/>
         <p:txBody>
-          <a:bodyPr/>
-          <a:lstStyle/>
-          <a:p>
-            <a:r>
-              <a:rPr lang="en-US" dirty="0"/>
-              <a:t>The third track is a lab track.  The purposes of this track are:</a:t>
-            </a:r>
-          </a:p>
-          <a:p>
-            <a:pPr lvl="1"/>
-            <a:r>
-              <a:rPr lang="en-US" dirty="0"/>
-              <a:t>Provide Practical Experience</a:t>
-            </a:r>
-          </a:p>
-          <a:p>
-            <a:pPr lvl="1"/>
-            <a:r>
-              <a:rPr lang="en-US" dirty="0"/>
-              <a:t>Provide a document trail to train people.</a:t>
-            </a:r>
-          </a:p>
-          <a:p>
-            <a:pPr lvl="1"/>
-            <a:r>
-              <a:rPr lang="en-US" dirty="0"/>
-              <a:t>Provide a document trail to start companies.</a:t>
-            </a:r>
-          </a:p>
-          <a:p>
-            <a:r>
-              <a:rPr lang="en-US" dirty="0"/>
-              <a:t>The lab track will be taught through projects.</a:t>
-            </a:r>
-          </a:p>
-          <a:p>
-            <a:pPr lvl="1"/>
-            <a:r>
-              <a:rPr lang="en-US" dirty="0"/>
-              <a:t>The first project is the IOT vending machine.</a:t>
-            </a:r>
-          </a:p>
-          <a:p>
-            <a:pPr lvl="1"/>
-            <a:endParaRPr lang="en-US" dirty="0"/>
+          <a:bodyPr>
+            <a:normAutofit fontScale="92500"/>
+          </a:bodyPr>
+          <a:lstStyle/>
+          <a:p>
+            <a:r>
+              <a:rPr lang="en-US" dirty="0"/>
+              <a:t>All IOT projects are welcome to being discussed.  Our first task will be to turn the vending machine shell to an IOT vending machine</a:t>
+            </a:r>
+          </a:p>
+          <a:p>
+            <a:r>
+              <a:rPr lang="en-US" dirty="0"/>
+              <a:t>The project will be run like as a company would design and put the unit into production.</a:t>
+            </a:r>
+          </a:p>
+          <a:p>
+            <a:r>
+              <a:rPr lang="en-US" dirty="0"/>
+              <a:t>Areas such manufacturing and servicing will be addressed</a:t>
+            </a:r>
           </a:p>
         </p:txBody>
       </p:sp>
     </p:spTree>
     <p:extLst>
       <p:ext uri="{BB962C8B-B14F-4D97-AF65-F5344CB8AC3E}">
-        <p14:creationId xmlns:p14="http://schemas.microsoft.com/office/powerpoint/2010/main" val="651243790"/>
+        <p14:creationId xmlns:p14="http://schemas.microsoft.com/office/powerpoint/2010/main" val="4089451878"/>
       </p:ext>
     </p:extLst>
   </p:cSld>
@@ -3569,10 +3645,10 @@
       </p:grpSpPr>
       <p:sp>
         <p:nvSpPr>
-          <p:cNvPr id="2" name="Title 1">
-            <a:extLst>
-              <a:ext uri="{FF2B5EF4-FFF2-40B4-BE49-F238E27FC236}">
-                <a16:creationId xmlns:a16="http://schemas.microsoft.com/office/drawing/2014/main" id="{7D731456-F001-4AA7-B82E-657B834D5BEB}"/>
+          <p:cNvPr id="7" name="Title 6">
+            <a:extLst>
+              <a:ext uri="{FF2B5EF4-FFF2-40B4-BE49-F238E27FC236}">
+                <a16:creationId xmlns:a16="http://schemas.microsoft.com/office/drawing/2014/main" id="{3E5729B8-A8B5-430B-BCD0-A02C46977EDD}"/>
               </a:ext>
             </a:extLst>
           </p:cNvPr>
@@ -3590,17 +3666,17 @@
           <a:p>
             <a:r>
               <a:rPr lang="en-US" dirty="0"/>
-              <a:t>Nano Data Center Track</a:t>
-            </a:r>
-          </a:p>
-        </p:txBody>
-      </p:sp>
-      <p:sp>
-        <p:nvSpPr>
-          <p:cNvPr id="3" name="Content Placeholder 2">
-            <a:extLst>
-              <a:ext uri="{FF2B5EF4-FFF2-40B4-BE49-F238E27FC236}">
-                <a16:creationId xmlns:a16="http://schemas.microsoft.com/office/drawing/2014/main" id="{DBC6E779-FBEC-4817-8A3E-0E308A7517AA}"/>
+              <a:t>Third Track</a:t>
+            </a:r>
+          </a:p>
+        </p:txBody>
+      </p:sp>
+      <p:sp>
+        <p:nvSpPr>
+          <p:cNvPr id="8" name="Content Placeholder 7">
+            <a:extLst>
+              <a:ext uri="{FF2B5EF4-FFF2-40B4-BE49-F238E27FC236}">
+                <a16:creationId xmlns:a16="http://schemas.microsoft.com/office/drawing/2014/main" id="{1C75FC93-EAA5-4C9D-94F0-C18A357CF873}"/>
               </a:ext>
             </a:extLst>
           </p:cNvPr>
@@ -3613,69 +3689,50 @@
         </p:nvSpPr>
         <p:spPr/>
         <p:txBody>
-          <a:bodyPr>
-            <a:normAutofit lnSpcReduction="10000"/>
-          </a:bodyPr>
-          <a:lstStyle/>
-          <a:p>
-            <a:r>
-              <a:rPr lang="en-US" dirty="0"/>
-              <a:t>What are the Pieces in a Data Center</a:t>
-            </a:r>
-          </a:p>
-          <a:p>
-            <a:r>
-              <a:rPr lang="en-US" dirty="0" err="1"/>
-              <a:t>Redis</a:t>
-            </a:r>
-            <a:r>
-              <a:rPr lang="en-US" dirty="0"/>
-              <a:t> as the basis of the Nano Data Center</a:t>
-            </a:r>
-          </a:p>
-          <a:p>
-            <a:r>
-              <a:rPr lang="en-US" dirty="0"/>
-              <a:t>Graphical Data Bases</a:t>
-            </a:r>
-          </a:p>
-          <a:p>
-            <a:r>
-              <a:rPr lang="en-US" dirty="0"/>
-              <a:t>Logs and Text Search</a:t>
-            </a:r>
-          </a:p>
-          <a:p>
-            <a:r>
-              <a:rPr lang="en-US" dirty="0"/>
-              <a:t>Web Backend and Web Frontend Basics</a:t>
-            </a:r>
-          </a:p>
-          <a:p>
-            <a:r>
-              <a:rPr lang="en-US" dirty="0"/>
-              <a:t>Application or process support</a:t>
-            </a:r>
-          </a:p>
-          <a:p>
-            <a:r>
-              <a:rPr lang="en-US" dirty="0"/>
-              <a:t>Docker Integration</a:t>
-            </a:r>
-          </a:p>
-          <a:p>
-            <a:r>
-              <a:rPr lang="en-US" dirty="0"/>
-              <a:t>Alexa Integration</a:t>
-            </a:r>
-          </a:p>
-          <a:p>
-            <a:r>
-              <a:rPr lang="en-US" dirty="0"/>
-              <a:t>Start Cloud Track</a:t>
-            </a:r>
-          </a:p>
-          <a:p>
+          <a:bodyPr/>
+          <a:lstStyle/>
+          <a:p>
+            <a:r>
+              <a:rPr lang="en-US" dirty="0"/>
+              <a:t>The third track is a lab track.  The purposes of this track are:</a:t>
+            </a:r>
+          </a:p>
+          <a:p>
+            <a:pPr lvl="1"/>
+            <a:r>
+              <a:rPr lang="en-US" dirty="0"/>
+              <a:t>Provide Practical Experience</a:t>
+            </a:r>
+          </a:p>
+          <a:p>
+            <a:pPr lvl="1"/>
+            <a:r>
+              <a:rPr lang="en-US" dirty="0"/>
+              <a:t>Provide a document trail to train people.</a:t>
+            </a:r>
+          </a:p>
+          <a:p>
+            <a:pPr lvl="1"/>
+            <a:r>
+              <a:rPr lang="en-US" dirty="0"/>
+              <a:t>Provide a document trail to start companies.</a:t>
+            </a:r>
+          </a:p>
+          <a:p>
+            <a:r>
+              <a:rPr lang="en-US" dirty="0"/>
+              <a:t>The lab track will be taught through projects.</a:t>
+            </a:r>
+          </a:p>
+          <a:p>
+            <a:pPr lvl="1"/>
+            <a:r>
+              <a:rPr lang="en-US" dirty="0"/>
+              <a:t>The first project is the IOT vending machine.</a:t>
+            </a:r>
+          </a:p>
+          <a:p>
+            <a:pPr lvl="1"/>
             <a:endParaRPr lang="en-US" dirty="0"/>
           </a:p>
         </p:txBody>
@@ -3683,7 +3740,7 @@
     </p:spTree>
     <p:extLst>
       <p:ext uri="{BB962C8B-B14F-4D97-AF65-F5344CB8AC3E}">
-        <p14:creationId xmlns:p14="http://schemas.microsoft.com/office/powerpoint/2010/main" val="1186233184"/>
+        <p14:creationId xmlns:p14="http://schemas.microsoft.com/office/powerpoint/2010/main" val="651243790"/>
       </p:ext>
     </p:extLst>
   </p:cSld>
@@ -3715,7 +3772,7 @@
           <p:cNvPr id="2" name="Title 1">
             <a:extLst>
               <a:ext uri="{FF2B5EF4-FFF2-40B4-BE49-F238E27FC236}">
-                <a16:creationId xmlns:a16="http://schemas.microsoft.com/office/drawing/2014/main" id="{FB060020-6A98-4230-AF7B-87928013E665}"/>
+                <a16:creationId xmlns:a16="http://schemas.microsoft.com/office/drawing/2014/main" id="{7D731456-F001-4AA7-B82E-657B834D5BEB}"/>
               </a:ext>
             </a:extLst>
           </p:cNvPr>
@@ -3733,7 +3790,7 @@
           <a:p>
             <a:r>
               <a:rPr lang="en-US" dirty="0"/>
-              <a:t>Embedded Track</a:t>
+              <a:t>Nano Data Center Track</a:t>
             </a:r>
           </a:p>
         </p:txBody>
@@ -3743,7 +3800,7 @@
           <p:cNvPr id="3" name="Content Placeholder 2">
             <a:extLst>
               <a:ext uri="{FF2B5EF4-FFF2-40B4-BE49-F238E27FC236}">
-                <a16:creationId xmlns:a16="http://schemas.microsoft.com/office/drawing/2014/main" id="{67A6CE67-6621-4C30-A2C5-6AA49149E5B0}"/>
+                <a16:creationId xmlns:a16="http://schemas.microsoft.com/office/drawing/2014/main" id="{DBC6E779-FBEC-4817-8A3E-0E308A7517AA}"/>
               </a:ext>
             </a:extLst>
           </p:cNvPr>
@@ -3757,118 +3814,101 @@
         <p:spPr/>
         <p:txBody>
           <a:bodyPr>
-            <a:normAutofit fontScale="92500" lnSpcReduction="20000"/>
+            <a:normAutofit fontScale="85000" lnSpcReduction="20000"/>
           </a:bodyPr>
           <a:lstStyle/>
           <a:p>
             <a:r>
               <a:rPr lang="en-US" dirty="0"/>
-              <a:t>Rules of the Game</a:t>
+              <a:t>What are the Pieces in a Data Center</a:t>
+            </a:r>
+          </a:p>
+          <a:p>
+            <a:r>
+              <a:rPr lang="en-US" dirty="0" err="1"/>
+              <a:t>Redis</a:t>
+            </a:r>
+            <a:r>
+              <a:rPr lang="en-US" dirty="0"/>
+              <a:t> as the basis of the Nano Data Center</a:t>
+            </a:r>
+          </a:p>
+          <a:p>
+            <a:r>
+              <a:rPr lang="en-US" dirty="0"/>
+              <a:t>Graphical Data Bases</a:t>
+            </a:r>
+          </a:p>
+          <a:p>
+            <a:r>
+              <a:rPr lang="en-US" dirty="0"/>
+              <a:t>Logs and Text Search</a:t>
+            </a:r>
+          </a:p>
+          <a:p>
+            <a:r>
+              <a:rPr lang="en-US" dirty="0"/>
+              <a:t>Web Backend and Web Frontend Basics – Need help on modern frame works</a:t>
+            </a:r>
+          </a:p>
+          <a:p>
+            <a:r>
+              <a:rPr lang="en-US" dirty="0"/>
+              <a:t>Application or process support</a:t>
+            </a:r>
+          </a:p>
+          <a:p>
+            <a:r>
+              <a:rPr lang="en-US" dirty="0"/>
+              <a:t>Docker Integration</a:t>
+            </a:r>
+          </a:p>
+          <a:p>
+            <a:r>
+              <a:rPr lang="en-US" dirty="0"/>
+              <a:t>Alexa Integration</a:t>
+            </a:r>
+          </a:p>
+          <a:p>
+            <a:r>
+              <a:rPr lang="en-US" dirty="0"/>
+              <a:t>Phone Integration???  -- Cannot Teach this one</a:t>
             </a:r>
           </a:p>
           <a:p>
             <a:pPr lvl="1"/>
             <a:r>
               <a:rPr lang="en-US" dirty="0"/>
-              <a:t>Get Prototype out as fast as possible</a:t>
+              <a:t>Phone Apps</a:t>
             </a:r>
           </a:p>
           <a:p>
             <a:pPr lvl="1"/>
             <a:r>
               <a:rPr lang="en-US" dirty="0"/>
-              <a:t>Minimize NRE</a:t>
-            </a:r>
-          </a:p>
-          <a:p>
-            <a:pPr lvl="1"/>
-            <a:r>
-              <a:rPr lang="en-US" dirty="0"/>
-              <a:t>Develop as little as possible</a:t>
-            </a:r>
-          </a:p>
-          <a:p>
-            <a:r>
-              <a:rPr lang="en-US" dirty="0"/>
-              <a:t>Types of IOT Environments</a:t>
-            </a:r>
-          </a:p>
-          <a:p>
-            <a:pPr lvl="1"/>
-            <a:r>
-              <a:rPr lang="en-US" dirty="0"/>
-              <a:t>State of Power</a:t>
-            </a:r>
-          </a:p>
-          <a:p>
-            <a:pPr lvl="2"/>
-            <a:r>
-              <a:rPr lang="en-US" dirty="0"/>
-              <a:t>Electrical Power</a:t>
-            </a:r>
-          </a:p>
-          <a:p>
-            <a:pPr lvl="2"/>
-            <a:r>
-              <a:rPr lang="en-US" dirty="0"/>
-              <a:t>No Electrical Power</a:t>
-            </a:r>
-          </a:p>
-          <a:p>
-            <a:pPr lvl="1"/>
-            <a:r>
-              <a:rPr lang="en-US" dirty="0"/>
-              <a:t>Internet Communication</a:t>
-            </a:r>
-          </a:p>
-          <a:p>
-            <a:pPr lvl="2"/>
-            <a:r>
-              <a:rPr lang="en-US" dirty="0"/>
-              <a:t>Internet Connectivity</a:t>
-            </a:r>
-          </a:p>
-          <a:p>
-            <a:pPr lvl="2"/>
-            <a:r>
-              <a:rPr lang="en-US" dirty="0"/>
-              <a:t>Cell Phone Connectivity</a:t>
-            </a:r>
-          </a:p>
-          <a:p>
-            <a:pPr lvl="2"/>
-            <a:r>
-              <a:rPr lang="en-US" dirty="0"/>
-              <a:t>No Cell Phone Connectivity</a:t>
-            </a:r>
-          </a:p>
-          <a:p>
-            <a:pPr lvl="3"/>
-            <a:r>
-              <a:rPr lang="en-US" dirty="0"/>
-              <a:t>Mesh Networks and </a:t>
+              <a:t>IOT setup thru </a:t>
             </a:r>
             <a:r>
               <a:rPr lang="en-US" dirty="0" err="1"/>
-              <a:t>LoRa</a:t>
+              <a:t>bluetooth</a:t>
             </a:r>
             <a:endParaRPr lang="en-US" dirty="0"/>
           </a:p>
           <a:p>
-            <a:pPr marL="457200" lvl="1" indent="0">
-              <a:buNone/>
-            </a:pPr>
-            <a:r>
-              <a:rPr lang="en-US" dirty="0"/>
-              <a:t>	</a:t>
-            </a:r>
+            <a:r>
+              <a:rPr lang="en-US" dirty="0"/>
+              <a:t>Start Cloud Track</a:t>
+            </a:r>
+          </a:p>
+          <a:p>
+            <a:endParaRPr lang="en-US" dirty="0"/>
           </a:p>
         </p:txBody>
       </p:sp>
     </p:spTree>
     <p:extLst>
       <p:ext uri="{BB962C8B-B14F-4D97-AF65-F5344CB8AC3E}">
-        <p14:creationId xmlns:p14="http://schemas.microsoft.com/office/powerpoint/2010/main" val="184499325"/>
+        <p14:creationId xmlns:p14="http://schemas.microsoft.com/office/powerpoint/2010/main" val="1186233184"/>
       </p:ext>
     </p:extLst>
   </p:cSld>
@@ -3900,7 +3940,7 @@
           <p:cNvPr id="2" name="Title 1">
             <a:extLst>
               <a:ext uri="{FF2B5EF4-FFF2-40B4-BE49-F238E27FC236}">
-                <a16:creationId xmlns:a16="http://schemas.microsoft.com/office/drawing/2014/main" id="{D2788C3B-34A3-4492-BFD0-467F0C60704C}"/>
+                <a16:creationId xmlns:a16="http://schemas.microsoft.com/office/drawing/2014/main" id="{FB060020-6A98-4230-AF7B-87928013E665}"/>
               </a:ext>
             </a:extLst>
           </p:cNvPr>
@@ -3918,7 +3958,7 @@
           <a:p>
             <a:r>
               <a:rPr lang="en-US" dirty="0"/>
-              <a:t>Embedded Track Continued</a:t>
+              <a:t>Embedded Track</a:t>
             </a:r>
           </a:p>
         </p:txBody>
@@ -3928,7 +3968,7 @@
           <p:cNvPr id="3" name="Content Placeholder 2">
             <a:extLst>
               <a:ext uri="{FF2B5EF4-FFF2-40B4-BE49-F238E27FC236}">
-                <a16:creationId xmlns:a16="http://schemas.microsoft.com/office/drawing/2014/main" id="{A0836136-C0D7-4117-9939-2DE759FEEC3F}"/>
+                <a16:creationId xmlns:a16="http://schemas.microsoft.com/office/drawing/2014/main" id="{67A6CE67-6621-4C30-A2C5-6AA49149E5B0}"/>
               </a:ext>
             </a:extLst>
           </p:cNvPr>
@@ -3941,78 +3981,119 @@
         </p:nvSpPr>
         <p:spPr/>
         <p:txBody>
-          <a:bodyPr/>
-          <a:lstStyle/>
-          <a:p>
-            <a:r>
-              <a:rPr lang="en-US" dirty="0"/>
-              <a:t>Selection of Processors and Architectures</a:t>
-            </a:r>
-          </a:p>
-          <a:p>
-            <a:r>
-              <a:rPr lang="en-US" dirty="0"/>
-              <a:t>Packaging for deployment</a:t>
-            </a:r>
-          </a:p>
-          <a:p>
-            <a:r>
-              <a:rPr lang="en-US" dirty="0"/>
-              <a:t>Introduction to PLC’s</a:t>
-            </a:r>
-          </a:p>
-          <a:p>
-            <a:r>
-              <a:rPr lang="en-US" dirty="0"/>
-              <a:t>Introduction to pi zero w as an IOT device</a:t>
-            </a:r>
-          </a:p>
-          <a:p>
-            <a:r>
-              <a:rPr lang="en-US" dirty="0"/>
-              <a:t>Introduction to ESP32 as on IOT device</a:t>
+          <a:bodyPr>
+            <a:normAutofit fontScale="92500" lnSpcReduction="20000"/>
+          </a:bodyPr>
+          <a:lstStyle/>
+          <a:p>
+            <a:r>
+              <a:rPr lang="en-US" dirty="0"/>
+              <a:t>Rules of the Game</a:t>
             </a:r>
           </a:p>
           <a:p>
             <a:pPr lvl="1"/>
             <a:r>
+              <a:rPr lang="en-US" dirty="0"/>
+              <a:t>Get Prototype out as fast as possible</a:t>
+            </a:r>
+          </a:p>
+          <a:p>
+            <a:pPr lvl="1"/>
+            <a:r>
+              <a:rPr lang="en-US" dirty="0"/>
+              <a:t>Minimize NRE</a:t>
+            </a:r>
+          </a:p>
+          <a:p>
+            <a:pPr lvl="1"/>
+            <a:r>
+              <a:rPr lang="en-US" dirty="0"/>
+              <a:t>Develop as little as possible</a:t>
+            </a:r>
+          </a:p>
+          <a:p>
+            <a:r>
+              <a:rPr lang="en-US" dirty="0"/>
+              <a:t>Types of IOT Environments</a:t>
+            </a:r>
+          </a:p>
+          <a:p>
+            <a:pPr lvl="1"/>
+            <a:r>
+              <a:rPr lang="en-US" dirty="0"/>
+              <a:t>State of Power</a:t>
+            </a:r>
+          </a:p>
+          <a:p>
+            <a:pPr lvl="2"/>
+            <a:r>
+              <a:rPr lang="en-US" dirty="0"/>
+              <a:t>Electrical Power</a:t>
+            </a:r>
+          </a:p>
+          <a:p>
+            <a:pPr lvl="2"/>
+            <a:r>
+              <a:rPr lang="en-US" dirty="0"/>
+              <a:t>No Electrical Power</a:t>
+            </a:r>
+          </a:p>
+          <a:p>
+            <a:pPr lvl="1"/>
+            <a:r>
+              <a:rPr lang="en-US" dirty="0"/>
+              <a:t>Internet Communication</a:t>
+            </a:r>
+          </a:p>
+          <a:p>
+            <a:pPr lvl="2"/>
+            <a:r>
+              <a:rPr lang="en-US" dirty="0"/>
+              <a:t>Internet Connectivity</a:t>
+            </a:r>
+          </a:p>
+          <a:p>
+            <a:pPr lvl="2"/>
+            <a:r>
+              <a:rPr lang="en-US" dirty="0"/>
+              <a:t>Cell Phone Connectivity</a:t>
+            </a:r>
+          </a:p>
+          <a:p>
+            <a:pPr lvl="2"/>
+            <a:r>
+              <a:rPr lang="en-US" dirty="0"/>
+              <a:t>No Cell Phone Connectivity</a:t>
+            </a:r>
+          </a:p>
+          <a:p>
+            <a:pPr lvl="3"/>
+            <a:r>
+              <a:rPr lang="en-US" dirty="0"/>
+              <a:t>Mesh Networks and </a:t>
+            </a:r>
+            <a:r>
               <a:rPr lang="en-US" dirty="0" err="1"/>
-              <a:t>Micropython</a:t>
-            </a:r>
-            <a:r>
-              <a:rPr lang="en-US" dirty="0"/>
-              <a:t> , </a:t>
-            </a:r>
-            <a:r>
-              <a:rPr lang="en-US" dirty="0" err="1"/>
-              <a:t>Audrino</a:t>
-            </a:r>
-            <a:r>
-              <a:rPr lang="en-US" dirty="0"/>
-              <a:t>, or Lua which is the best environment?</a:t>
-            </a:r>
-          </a:p>
-          <a:p>
-            <a:r>
-              <a:rPr lang="en-US" dirty="0"/>
-              <a:t>Embedded Software Development techniques</a:t>
-            </a:r>
-          </a:p>
-          <a:p>
-            <a:pPr marL="0" indent="0">
+              <a:t>LoRa</a:t>
+            </a:r>
+            <a:endParaRPr lang="en-US" dirty="0"/>
+          </a:p>
+          <a:p>
+            <a:pPr marL="457200" lvl="1" indent="0">
               <a:buNone/>
             </a:pPr>
-            <a:endParaRPr lang="en-US" dirty="0"/>
-          </a:p>
-          <a:p>
-            <a:endParaRPr lang="en-US" dirty="0"/>
+            <a:r>
+              <a:rPr lang="en-US" dirty="0"/>
+              <a:t>	</a:t>
+            </a:r>
           </a:p>
         </p:txBody>
       </p:sp>
     </p:spTree>
     <p:extLst>
       <p:ext uri="{BB962C8B-B14F-4D97-AF65-F5344CB8AC3E}">
-        <p14:creationId xmlns:p14="http://schemas.microsoft.com/office/powerpoint/2010/main" val="1612203911"/>
+        <p14:creationId xmlns:p14="http://schemas.microsoft.com/office/powerpoint/2010/main" val="184499325"/>
       </p:ext>
     </p:extLst>
   </p:cSld>
@@ -4044,6 +4125,150 @@
           <p:cNvPr id="2" name="Title 1">
             <a:extLst>
               <a:ext uri="{FF2B5EF4-FFF2-40B4-BE49-F238E27FC236}">
+                <a16:creationId xmlns:a16="http://schemas.microsoft.com/office/drawing/2014/main" id="{D2788C3B-34A3-4492-BFD0-467F0C60704C}"/>
+              </a:ext>
+            </a:extLst>
+          </p:cNvPr>
+          <p:cNvSpPr>
+            <a:spLocks noGrp="1"/>
+          </p:cNvSpPr>
+          <p:nvPr>
+            <p:ph type="title"/>
+          </p:nvPr>
+        </p:nvSpPr>
+        <p:spPr/>
+        <p:txBody>
+          <a:bodyPr/>
+          <a:lstStyle/>
+          <a:p>
+            <a:r>
+              <a:rPr lang="en-US" dirty="0"/>
+              <a:t>Embedded Track Continued</a:t>
+            </a:r>
+          </a:p>
+        </p:txBody>
+      </p:sp>
+      <p:sp>
+        <p:nvSpPr>
+          <p:cNvPr id="3" name="Content Placeholder 2">
+            <a:extLst>
+              <a:ext uri="{FF2B5EF4-FFF2-40B4-BE49-F238E27FC236}">
+                <a16:creationId xmlns:a16="http://schemas.microsoft.com/office/drawing/2014/main" id="{A0836136-C0D7-4117-9939-2DE759FEEC3F}"/>
+              </a:ext>
+            </a:extLst>
+          </p:cNvPr>
+          <p:cNvSpPr>
+            <a:spLocks noGrp="1"/>
+          </p:cNvSpPr>
+          <p:nvPr>
+            <p:ph idx="1"/>
+          </p:nvPr>
+        </p:nvSpPr>
+        <p:spPr/>
+        <p:txBody>
+          <a:bodyPr/>
+          <a:lstStyle/>
+          <a:p>
+            <a:r>
+              <a:rPr lang="en-US" dirty="0"/>
+              <a:t>Selection of Processors and Architectures</a:t>
+            </a:r>
+          </a:p>
+          <a:p>
+            <a:r>
+              <a:rPr lang="en-US" dirty="0"/>
+              <a:t>Packaging for deployment</a:t>
+            </a:r>
+          </a:p>
+          <a:p>
+            <a:r>
+              <a:rPr lang="en-US" dirty="0"/>
+              <a:t>Introduction to PLC’s</a:t>
+            </a:r>
+          </a:p>
+          <a:p>
+            <a:r>
+              <a:rPr lang="en-US" dirty="0"/>
+              <a:t>Introduction to pi zero w as an IOT device</a:t>
+            </a:r>
+          </a:p>
+          <a:p>
+            <a:r>
+              <a:rPr lang="en-US" dirty="0"/>
+              <a:t>Introduction to ESP32 as on IOT device</a:t>
+            </a:r>
+          </a:p>
+          <a:p>
+            <a:pPr lvl="1"/>
+            <a:r>
+              <a:rPr lang="en-US" dirty="0" err="1"/>
+              <a:t>Micropython</a:t>
+            </a:r>
+            <a:r>
+              <a:rPr lang="en-US" dirty="0"/>
+              <a:t> , </a:t>
+            </a:r>
+            <a:r>
+              <a:rPr lang="en-US" dirty="0" err="1"/>
+              <a:t>Audrino</a:t>
+            </a:r>
+            <a:r>
+              <a:rPr lang="en-US" dirty="0"/>
+              <a:t>, or Lua which is the best environment?</a:t>
+            </a:r>
+          </a:p>
+          <a:p>
+            <a:r>
+              <a:rPr lang="en-US" dirty="0"/>
+              <a:t>Embedded Software Development techniques</a:t>
+            </a:r>
+          </a:p>
+          <a:p>
+            <a:pPr marL="0" indent="0">
+              <a:buNone/>
+            </a:pPr>
+            <a:endParaRPr lang="en-US" dirty="0"/>
+          </a:p>
+          <a:p>
+            <a:endParaRPr lang="en-US" dirty="0"/>
+          </a:p>
+        </p:txBody>
+      </p:sp>
+    </p:spTree>
+    <p:extLst>
+      <p:ext uri="{BB962C8B-B14F-4D97-AF65-F5344CB8AC3E}">
+        <p14:creationId xmlns:p14="http://schemas.microsoft.com/office/powerpoint/2010/main" val="1612203911"/>
+      </p:ext>
+    </p:extLst>
+  </p:cSld>
+  <p:clrMapOvr>
+    <a:masterClrMapping/>
+  </p:clrMapOvr>
+</p:sld>
+</file>
+
+<file path=ppt/slides/slide15.xml><?xml version="1.0" encoding="utf-8"?>
+<p:sld xmlns:a="http://schemas.openxmlformats.org/drawingml/2006/main" xmlns:r="http://schemas.openxmlformats.org/officeDocument/2006/relationships" xmlns:p="http://schemas.openxmlformats.org/presentationml/2006/main">
+  <p:cSld>
+    <p:spTree>
+      <p:nvGrpSpPr>
+        <p:cNvPr id="1" name=""/>
+        <p:cNvGrpSpPr/>
+        <p:nvPr/>
+      </p:nvGrpSpPr>
+      <p:grpSpPr>
+        <a:xfrm>
+          <a:off x="0" y="0"/>
+          <a:ext cx="0" cy="0"/>
+          <a:chOff x="0" y="0"/>
+          <a:chExt cx="0" cy="0"/>
+        </a:xfrm>
+      </p:grpSpPr>
+      <p:sp>
+        <p:nvSpPr>
+          <p:cNvPr id="2" name="Title 1">
+            <a:extLst>
+              <a:ext uri="{FF2B5EF4-FFF2-40B4-BE49-F238E27FC236}">
                 <a16:creationId xmlns:a16="http://schemas.microsoft.com/office/drawing/2014/main" id="{648C3B4C-DDF8-450B-9BDA-4EFAAEA055BC}"/>
               </a:ext>
             </a:extLst>
@@ -4090,7 +4315,7 @@
           <a:p>
             <a:r>
               <a:rPr lang="en-US" dirty="0"/>
-              <a:t>Any Ideas</a:t>
+              <a:t>Any Ideas?</a:t>
             </a:r>
           </a:p>
         </p:txBody>
@@ -4130,123 +4355,73 @@
           <p:cNvPr id="2" name="Title 1">
             <a:extLst>
               <a:ext uri="{FF2B5EF4-FFF2-40B4-BE49-F238E27FC236}">
-                <a16:creationId xmlns:a16="http://schemas.microsoft.com/office/drawing/2014/main" id="{FB64BFB9-54B4-43D6-A94C-72BB0EEB07A0}"/>
-              </a:ext>
-            </a:extLst>
-          </p:cNvPr>
-          <p:cNvSpPr>
-            <a:spLocks noGrp="1"/>
-          </p:cNvSpPr>
-          <p:nvPr>
-            <p:ph type="title"/>
+                <a16:creationId xmlns:a16="http://schemas.microsoft.com/office/drawing/2014/main" id="{1C6B5D7B-6B59-42C0-8276-7AEB1EBA0B0E}"/>
+              </a:ext>
+            </a:extLst>
+          </p:cNvPr>
+          <p:cNvSpPr>
+            <a:spLocks noGrp="1"/>
+          </p:cNvSpPr>
+          <p:nvPr>
+            <p:ph type="ctrTitle"/>
           </p:nvPr>
         </p:nvSpPr>
         <p:spPr/>
         <p:txBody>
-          <a:bodyPr/>
-          <a:lstStyle/>
-          <a:p>
-            <a:r>
-              <a:rPr lang="en-US" dirty="0"/>
-              <a:t>New IOT Architecture</a:t>
-            </a:r>
-          </a:p>
-        </p:txBody>
-      </p:sp>
-      <p:sp>
-        <p:nvSpPr>
-          <p:cNvPr id="3" name="Content Placeholder 2">
-            <a:extLst>
-              <a:ext uri="{FF2B5EF4-FFF2-40B4-BE49-F238E27FC236}">
-                <a16:creationId xmlns:a16="http://schemas.microsoft.com/office/drawing/2014/main" id="{9C24C6EE-4A4C-498A-B6B4-BDDB0CEF3389}"/>
-              </a:ext>
-            </a:extLst>
-          </p:cNvPr>
-          <p:cNvSpPr>
-            <a:spLocks noGrp="1"/>
-          </p:cNvSpPr>
-          <p:nvPr>
-            <p:ph idx="1"/>
+          <a:bodyPr>
+            <a:normAutofit/>
+          </a:bodyPr>
+          <a:lstStyle/>
+          <a:p>
+            <a:r>
+              <a:rPr lang="en-US" dirty="0"/>
+              <a:t>New IOT</a:t>
+            </a:r>
+            <a:br>
+              <a:rPr lang="en-US" dirty="0"/>
+            </a:br>
+            <a:endParaRPr lang="en-US" sz="3600" dirty="0"/>
+          </a:p>
+        </p:txBody>
+      </p:sp>
+      <p:sp>
+        <p:nvSpPr>
+          <p:cNvPr id="3" name="Subtitle 2">
+            <a:extLst>
+              <a:ext uri="{FF2B5EF4-FFF2-40B4-BE49-F238E27FC236}">
+                <a16:creationId xmlns:a16="http://schemas.microsoft.com/office/drawing/2014/main" id="{BD7F682C-D93D-472F-B8B7-C27B81D962FB}"/>
+              </a:ext>
+            </a:extLst>
+          </p:cNvPr>
+          <p:cNvSpPr>
+            <a:spLocks noGrp="1"/>
+          </p:cNvSpPr>
+          <p:nvPr>
+            <p:ph type="subTitle" idx="1"/>
           </p:nvPr>
         </p:nvSpPr>
         <p:spPr/>
         <p:txBody>
-          <a:bodyPr/>
-          <a:lstStyle/>
-          <a:p>
-            <a:r>
-              <a:rPr lang="en-US" dirty="0"/>
-              <a:t>Developing IOT systems is a two tier approach.</a:t>
-            </a:r>
-          </a:p>
-          <a:p>
-            <a:pPr lvl="1"/>
-            <a:r>
-              <a:rPr lang="en-US" dirty="0"/>
-              <a:t>Embedded Side</a:t>
-            </a:r>
-          </a:p>
-          <a:p>
-            <a:pPr lvl="2"/>
-            <a:r>
-              <a:rPr lang="en-US" dirty="0"/>
-              <a:t>Develop Sensors </a:t>
-            </a:r>
-          </a:p>
-          <a:p>
-            <a:pPr lvl="2"/>
-            <a:r>
-              <a:rPr lang="en-US" dirty="0"/>
-              <a:t>Develop Embedded Devices</a:t>
-            </a:r>
-          </a:p>
-          <a:p>
-            <a:pPr lvl="2"/>
-            <a:r>
-              <a:rPr lang="en-US" dirty="0"/>
-              <a:t>Power Constraints</a:t>
-            </a:r>
-          </a:p>
-          <a:p>
-            <a:pPr lvl="2"/>
-            <a:r>
-              <a:rPr lang="en-US" dirty="0"/>
-              <a:t>Communications Constraints</a:t>
-            </a:r>
-          </a:p>
-          <a:p>
-            <a:pPr lvl="1"/>
-            <a:r>
-              <a:rPr lang="en-US" dirty="0"/>
-              <a:t>Cloud/ Networking Side	</a:t>
-            </a:r>
-          </a:p>
-          <a:p>
-            <a:pPr lvl="2"/>
-            <a:r>
-              <a:rPr lang="en-US" dirty="0"/>
-              <a:t>Provide Connectivity to Internet</a:t>
-            </a:r>
-          </a:p>
-          <a:p>
-            <a:pPr lvl="2"/>
-            <a:r>
-              <a:rPr lang="en-US" dirty="0"/>
-              <a:t>Provide Service to Remote Users</a:t>
-            </a:r>
-          </a:p>
-          <a:p>
-            <a:pPr lvl="2"/>
-            <a:r>
-              <a:rPr lang="en-US" dirty="0"/>
-              <a:t>Provide Remote Control of Embedded Devices</a:t>
-            </a:r>
-          </a:p>
-          <a:p>
-            <a:pPr lvl="2"/>
-            <a:r>
-              <a:rPr lang="en-US" dirty="0"/>
-              <a:t>Provide Services for Monitoring and Debugging Remote Devices</a:t>
+          <a:bodyPr>
+            <a:normAutofit/>
+          </a:bodyPr>
+          <a:lstStyle/>
+          <a:p>
+            <a:r>
+              <a:rPr lang="en-US" dirty="0"/>
+              <a:t>New Architecture</a:t>
+            </a:r>
+          </a:p>
+          <a:p>
+            <a:r>
+              <a:rPr lang="en-US" dirty="0"/>
+              <a:t>New Developer</a:t>
+            </a:r>
+          </a:p>
+          <a:p>
+            <a:r>
+              <a:rPr lang="en-US" dirty="0"/>
+              <a:t>New Technician</a:t>
             </a:r>
           </a:p>
         </p:txBody>
@@ -4254,7 +4429,7 @@
     </p:spTree>
     <p:extLst>
       <p:ext uri="{BB962C8B-B14F-4D97-AF65-F5344CB8AC3E}">
-        <p14:creationId xmlns:p14="http://schemas.microsoft.com/office/powerpoint/2010/main" val="1316875558"/>
+        <p14:creationId xmlns:p14="http://schemas.microsoft.com/office/powerpoint/2010/main" val="998296621"/>
       </p:ext>
     </p:extLst>
   </p:cSld>
@@ -4286,7 +4461,7 @@
           <p:cNvPr id="2" name="Title 1">
             <a:extLst>
               <a:ext uri="{FF2B5EF4-FFF2-40B4-BE49-F238E27FC236}">
-                <a16:creationId xmlns:a16="http://schemas.microsoft.com/office/drawing/2014/main" id="{DBA38F27-4C87-4CAF-895C-693DC29F5F67}"/>
+                <a16:creationId xmlns:a16="http://schemas.microsoft.com/office/drawing/2014/main" id="{FB64BFB9-54B4-43D6-A94C-72BB0EEB07A0}"/>
               </a:ext>
             </a:extLst>
           </p:cNvPr>
@@ -4304,7 +4479,7 @@
           <a:p>
             <a:r>
               <a:rPr lang="en-US" dirty="0"/>
-              <a:t>Need to do it with few people</a:t>
+              <a:t>New IOT Architecture</a:t>
             </a:r>
           </a:p>
         </p:txBody>
@@ -4314,7 +4489,7 @@
           <p:cNvPr id="3" name="Content Placeholder 2">
             <a:extLst>
               <a:ext uri="{FF2B5EF4-FFF2-40B4-BE49-F238E27FC236}">
-                <a16:creationId xmlns:a16="http://schemas.microsoft.com/office/drawing/2014/main" id="{31505D05-6E89-4097-B1AF-DD9266250008}"/>
+                <a16:creationId xmlns:a16="http://schemas.microsoft.com/office/drawing/2014/main" id="{9C24C6EE-4A4C-498A-B6B4-BDDB0CEF3389}"/>
               </a:ext>
             </a:extLst>
           </p:cNvPr>
@@ -4327,99 +4502,90 @@
         </p:nvSpPr>
         <p:spPr/>
         <p:txBody>
-          <a:bodyPr>
-            <a:normAutofit fontScale="92500" lnSpcReduction="20000"/>
-          </a:bodyPr>
-          <a:lstStyle/>
-          <a:p>
-            <a:r>
-              <a:rPr lang="en-US" dirty="0"/>
-              <a:t>Many successful online companies worth 100’s million of dollars have been built with crews as low as 4.</a:t>
-            </a:r>
-          </a:p>
-          <a:p>
-            <a:r>
-              <a:rPr lang="en-US" dirty="0"/>
-              <a:t>Productive people is as the sqrt( N )</a:t>
+          <a:bodyPr/>
+          <a:lstStyle/>
+          <a:p>
+            <a:r>
+              <a:rPr lang="en-US" dirty="0"/>
+              <a:t>Developing IOT systems is a two tier approach.</a:t>
             </a:r>
           </a:p>
           <a:p>
             <a:pPr lvl="1"/>
             <a:r>
               <a:rPr lang="en-US" dirty="0"/>
-              <a:t>For a group of 10  (3) are productive</a:t>
+              <a:t>Embedded Side</a:t>
+            </a:r>
+          </a:p>
+          <a:p>
+            <a:pPr lvl="2"/>
+            <a:r>
+              <a:rPr lang="en-US" dirty="0"/>
+              <a:t>Develop Sensors </a:t>
+            </a:r>
+          </a:p>
+          <a:p>
+            <a:pPr lvl="2"/>
+            <a:r>
+              <a:rPr lang="en-US" dirty="0"/>
+              <a:t>Develop Embedded Devices</a:t>
+            </a:r>
+          </a:p>
+          <a:p>
+            <a:pPr lvl="2"/>
+            <a:r>
+              <a:rPr lang="en-US" dirty="0"/>
+              <a:t>Power Constraints</a:t>
+            </a:r>
+          </a:p>
+          <a:p>
+            <a:pPr lvl="2"/>
+            <a:r>
+              <a:rPr lang="en-US" dirty="0"/>
+              <a:t>Communications Constraints</a:t>
             </a:r>
           </a:p>
           <a:p>
             <a:pPr lvl="1"/>
             <a:r>
               <a:rPr lang="en-US" dirty="0"/>
-              <a:t>For a group of 100 (10) are productive</a:t>
-            </a:r>
-          </a:p>
-          <a:p>
-            <a:r>
-              <a:rPr lang="en-US" dirty="0"/>
-              <a:t>This means the members of your team must be multifunctional.</a:t>
-            </a:r>
-          </a:p>
-          <a:p>
-            <a:pPr lvl="1"/>
-            <a:r>
-              <a:rPr lang="en-US" dirty="0"/>
-              <a:t>Renaissance Men?</a:t>
-            </a:r>
-          </a:p>
-          <a:p>
-            <a:r>
-              <a:rPr lang="en-US" dirty="0"/>
-              <a:t>Purpose of this meetup is to present tools so that a small group can construct state of the art IOT systems.</a:t>
-            </a:r>
-          </a:p>
-          <a:p>
-            <a:r>
-              <a:rPr lang="en-US" dirty="0"/>
-              <a:t>Concentrate on OEM type systems.  </a:t>
-            </a:r>
-          </a:p>
-          <a:p>
-            <a:pPr lvl="1"/>
-            <a:r>
-              <a:rPr lang="en-US" dirty="0"/>
-              <a:t>Numbers ( 1-100 ) for specialty systems</a:t>
-            </a:r>
-          </a:p>
-          <a:p>
-            <a:pPr lvl="1"/>
-            <a:r>
-              <a:rPr lang="en-US" dirty="0"/>
-              <a:t>Cannot compete with large consumer systems.</a:t>
-            </a:r>
-          </a:p>
-          <a:p>
-            <a:pPr lvl="1"/>
-            <a:r>
-              <a:rPr lang="en-US" dirty="0"/>
-              <a:t>For larger numbers a larger company will come into play, </a:t>
-            </a:r>
-            <a:r>
-              <a:rPr lang="en-US" dirty="0" err="1"/>
-              <a:t>ie</a:t>
-            </a:r>
-            <a:r>
-              <a:rPr lang="en-US" dirty="0"/>
-              <a:t>, buy out.</a:t>
-            </a:r>
-          </a:p>
-          <a:p>
-            <a:endParaRPr lang="en-US" dirty="0"/>
+              <a:t>Cloud/ Networking Side	</a:t>
+            </a:r>
+          </a:p>
+          <a:p>
+            <a:pPr lvl="2"/>
+            <a:r>
+              <a:rPr lang="en-US" dirty="0"/>
+              <a:t>Provide Connectivity to Internet</a:t>
+            </a:r>
+          </a:p>
+          <a:p>
+            <a:pPr lvl="2"/>
+            <a:r>
+              <a:rPr lang="en-US" dirty="0"/>
+              <a:t>Provide Service to Remote Users</a:t>
+            </a:r>
+          </a:p>
+          <a:p>
+            <a:pPr lvl="2"/>
+            <a:r>
+              <a:rPr lang="en-US" dirty="0"/>
+              <a:t>Provide Remote Control of Embedded Devices</a:t>
+            </a:r>
+          </a:p>
+          <a:p>
+            <a:pPr lvl="2"/>
+            <a:r>
+              <a:rPr lang="en-US" dirty="0"/>
+              <a:t>Provide Services for Monitoring and Debugging Remote Devices</a:t>
+            </a:r>
           </a:p>
         </p:txBody>
       </p:sp>
     </p:spTree>
     <p:extLst>
       <p:ext uri="{BB962C8B-B14F-4D97-AF65-F5344CB8AC3E}">
-        <p14:creationId xmlns:p14="http://schemas.microsoft.com/office/powerpoint/2010/main" val="2719917283"/>
+        <p14:creationId xmlns:p14="http://schemas.microsoft.com/office/powerpoint/2010/main" val="1316875558"/>
       </p:ext>
     </p:extLst>
   </p:cSld>
@@ -4451,6 +4617,171 @@
           <p:cNvPr id="2" name="Title 1">
             <a:extLst>
               <a:ext uri="{FF2B5EF4-FFF2-40B4-BE49-F238E27FC236}">
+                <a16:creationId xmlns:a16="http://schemas.microsoft.com/office/drawing/2014/main" id="{DBA38F27-4C87-4CAF-895C-693DC29F5F67}"/>
+              </a:ext>
+            </a:extLst>
+          </p:cNvPr>
+          <p:cNvSpPr>
+            <a:spLocks noGrp="1"/>
+          </p:cNvSpPr>
+          <p:nvPr>
+            <p:ph type="title"/>
+          </p:nvPr>
+        </p:nvSpPr>
+        <p:spPr/>
+        <p:txBody>
+          <a:bodyPr/>
+          <a:lstStyle/>
+          <a:p>
+            <a:r>
+              <a:rPr lang="en-US" dirty="0"/>
+              <a:t>Need to do it with few people</a:t>
+            </a:r>
+          </a:p>
+        </p:txBody>
+      </p:sp>
+      <p:sp>
+        <p:nvSpPr>
+          <p:cNvPr id="3" name="Content Placeholder 2">
+            <a:extLst>
+              <a:ext uri="{FF2B5EF4-FFF2-40B4-BE49-F238E27FC236}">
+                <a16:creationId xmlns:a16="http://schemas.microsoft.com/office/drawing/2014/main" id="{31505D05-6E89-4097-B1AF-DD9266250008}"/>
+              </a:ext>
+            </a:extLst>
+          </p:cNvPr>
+          <p:cNvSpPr>
+            <a:spLocks noGrp="1"/>
+          </p:cNvSpPr>
+          <p:nvPr>
+            <p:ph idx="1"/>
+          </p:nvPr>
+        </p:nvSpPr>
+        <p:spPr/>
+        <p:txBody>
+          <a:bodyPr>
+            <a:normAutofit fontScale="92500" lnSpcReduction="20000"/>
+          </a:bodyPr>
+          <a:lstStyle/>
+          <a:p>
+            <a:r>
+              <a:rPr lang="en-US" dirty="0"/>
+              <a:t>Many successful online companies worth 100’s million of dollars have been built with crews as low as 4.</a:t>
+            </a:r>
+          </a:p>
+          <a:p>
+            <a:r>
+              <a:rPr lang="en-US" dirty="0"/>
+              <a:t>Productive people is as the sqrt( N )</a:t>
+            </a:r>
+          </a:p>
+          <a:p>
+            <a:pPr lvl="1"/>
+            <a:r>
+              <a:rPr lang="en-US" dirty="0"/>
+              <a:t>For a group of 10  (3) are productive</a:t>
+            </a:r>
+          </a:p>
+          <a:p>
+            <a:pPr lvl="1"/>
+            <a:r>
+              <a:rPr lang="en-US" dirty="0"/>
+              <a:t>For a group of 100 (10) are productive</a:t>
+            </a:r>
+          </a:p>
+          <a:p>
+            <a:r>
+              <a:rPr lang="en-US" dirty="0"/>
+              <a:t>This means the members of your team must be multifunctional.</a:t>
+            </a:r>
+          </a:p>
+          <a:p>
+            <a:pPr lvl="1"/>
+            <a:r>
+              <a:rPr lang="en-US" dirty="0"/>
+              <a:t>Renaissance Men?</a:t>
+            </a:r>
+          </a:p>
+          <a:p>
+            <a:r>
+              <a:rPr lang="en-US" dirty="0"/>
+              <a:t>Purpose of this meetup is to present tools so that a small group can construct state of the art IOT systems.</a:t>
+            </a:r>
+          </a:p>
+          <a:p>
+            <a:r>
+              <a:rPr lang="en-US" dirty="0"/>
+              <a:t>Concentrate on OEM type systems.  </a:t>
+            </a:r>
+          </a:p>
+          <a:p>
+            <a:pPr lvl="1"/>
+            <a:r>
+              <a:rPr lang="en-US" dirty="0"/>
+              <a:t>Numbers ( 1-100 ) for specialty systems</a:t>
+            </a:r>
+          </a:p>
+          <a:p>
+            <a:pPr lvl="1"/>
+            <a:r>
+              <a:rPr lang="en-US" dirty="0"/>
+              <a:t>Cannot compete with large consumer systems.</a:t>
+            </a:r>
+          </a:p>
+          <a:p>
+            <a:pPr lvl="1"/>
+            <a:r>
+              <a:rPr lang="en-US" dirty="0"/>
+              <a:t>For larger numbers a larger company will come into play, </a:t>
+            </a:r>
+            <a:r>
+              <a:rPr lang="en-US" dirty="0" err="1"/>
+              <a:t>ie</a:t>
+            </a:r>
+            <a:r>
+              <a:rPr lang="en-US" dirty="0"/>
+              <a:t>, buy out.</a:t>
+            </a:r>
+          </a:p>
+          <a:p>
+            <a:endParaRPr lang="en-US" dirty="0"/>
+          </a:p>
+        </p:txBody>
+      </p:sp>
+    </p:spTree>
+    <p:extLst>
+      <p:ext uri="{BB962C8B-B14F-4D97-AF65-F5344CB8AC3E}">
+        <p14:creationId xmlns:p14="http://schemas.microsoft.com/office/powerpoint/2010/main" val="2719917283"/>
+      </p:ext>
+    </p:extLst>
+  </p:cSld>
+  <p:clrMapOvr>
+    <a:masterClrMapping/>
+  </p:clrMapOvr>
+</p:sld>
+</file>
+
+<file path=ppt/slides/slide5.xml><?xml version="1.0" encoding="utf-8"?>
+<p:sld xmlns:a="http://schemas.openxmlformats.org/drawingml/2006/main" xmlns:r="http://schemas.openxmlformats.org/officeDocument/2006/relationships" xmlns:p="http://schemas.openxmlformats.org/presentationml/2006/main">
+  <p:cSld>
+    <p:spTree>
+      <p:nvGrpSpPr>
+        <p:cNvPr id="1" name=""/>
+        <p:cNvGrpSpPr/>
+        <p:nvPr/>
+      </p:nvGrpSpPr>
+      <p:grpSpPr>
+        <a:xfrm>
+          <a:off x="0" y="0"/>
+          <a:ext cx="0" cy="0"/>
+          <a:chOff x="0" y="0"/>
+          <a:chExt cx="0" cy="0"/>
+        </a:xfrm>
+      </p:grpSpPr>
+      <p:sp>
+        <p:nvSpPr>
+          <p:cNvPr id="2" name="Title 1">
+            <a:extLst>
+              <a:ext uri="{FF2B5EF4-FFF2-40B4-BE49-F238E27FC236}">
                 <a16:creationId xmlns:a16="http://schemas.microsoft.com/office/drawing/2014/main" id="{22289AD2-D32E-41E5-B093-29CDB0485B07}"/>
               </a:ext>
             </a:extLst>
@@ -4505,6 +4836,20 @@
             <a:r>
               <a:rPr lang="en-US" dirty="0"/>
               <a:t>You want that</a:t>
+            </a:r>
+          </a:p>
+          <a:p>
+            <a:pPr lvl="1"/>
+            <a:r>
+              <a:rPr lang="en-US" dirty="0"/>
+              <a:t>There is usually only one feature that triggers the buy.</a:t>
+            </a:r>
+          </a:p>
+          <a:p>
+            <a:pPr lvl="2"/>
+            <a:r>
+              <a:rPr lang="en-US" dirty="0"/>
+              <a:t>Varies with customer and is hard to predict</a:t>
             </a:r>
           </a:p>
           <a:p>
@@ -4543,7 +4888,7 @@
 </p:sld>
 </file>
 
-<file path=ppt/slides/slide5.xml><?xml version="1.0" encoding="utf-8"?>
+<file path=ppt/slides/slide6.xml><?xml version="1.0" encoding="utf-8"?>
 <p:sld xmlns:a="http://schemas.openxmlformats.org/drawingml/2006/main" xmlns:r="http://schemas.openxmlformats.org/officeDocument/2006/relationships" xmlns:p="http://schemas.openxmlformats.org/presentationml/2006/main">
   <p:cSld>
     <p:spTree>
@@ -5176,7 +5521,7 @@
 </p:sld>
 </file>
 
-<file path=ppt/slides/slide6.xml><?xml version="1.0" encoding="utf-8"?>
+<file path=ppt/slides/slide7.xml><?xml version="1.0" encoding="utf-8"?>
 <p:sld xmlns:a="http://schemas.openxmlformats.org/drawingml/2006/main" xmlns:r="http://schemas.openxmlformats.org/officeDocument/2006/relationships" xmlns:p="http://schemas.openxmlformats.org/presentationml/2006/main">
   <p:cSld>
     <p:spTree>
@@ -6213,7 +6558,7 @@
 </p:sld>
 </file>
 
-<file path=ppt/slides/slide7.xml><?xml version="1.0" encoding="utf-8"?>
+<file path=ppt/slides/slide8.xml><?xml version="1.0" encoding="utf-8"?>
 <p:sld xmlns:a="http://schemas.openxmlformats.org/drawingml/2006/main" xmlns:r="http://schemas.openxmlformats.org/officeDocument/2006/relationships" xmlns:p="http://schemas.openxmlformats.org/presentationml/2006/main">
   <p:cSld>
     <p:spTree>
@@ -6281,7 +6626,7 @@
           <a:p>
             <a:r>
               <a:rPr lang="en-US" dirty="0"/>
-              <a:t>Unlike Developers Technicians need to be created very quickly.</a:t>
+              <a:t>Unlike Developers, Technicians need to be created very quickly.</a:t>
             </a:r>
           </a:p>
           <a:p>
@@ -6358,7 +6703,7 @@
 </p:sld>
 </file>
 
-<file path=ppt/slides/slide8.xml><?xml version="1.0" encoding="utf-8"?>
+<file path=ppt/slides/slide9.xml><?xml version="1.0" encoding="utf-8"?>
 <p:sld xmlns:a="http://schemas.openxmlformats.org/drawingml/2006/main" xmlns:r="http://schemas.openxmlformats.org/officeDocument/2006/relationships" xmlns:p="http://schemas.openxmlformats.org/presentationml/2006/main">
   <p:cSld>
     <p:spTree>
@@ -6501,198 +6846,6 @@
     <p:extLst>
       <p:ext uri="{BB962C8B-B14F-4D97-AF65-F5344CB8AC3E}">
         <p14:creationId xmlns:p14="http://schemas.microsoft.com/office/powerpoint/2010/main" val="2787985180"/>
-      </p:ext>
-    </p:extLst>
-  </p:cSld>
-  <p:clrMapOvr>
-    <a:masterClrMapping/>
-  </p:clrMapOvr>
-</p:sld>
-</file>
-
-<file path=ppt/slides/slide9.xml><?xml version="1.0" encoding="utf-8"?>
-<p:sld xmlns:a="http://schemas.openxmlformats.org/drawingml/2006/main" xmlns:r="http://schemas.openxmlformats.org/officeDocument/2006/relationships" xmlns:p="http://schemas.openxmlformats.org/presentationml/2006/main">
-  <p:cSld>
-    <p:spTree>
-      <p:nvGrpSpPr>
-        <p:cNvPr id="1" name=""/>
-        <p:cNvGrpSpPr/>
-        <p:nvPr/>
-      </p:nvGrpSpPr>
-      <p:grpSpPr>
-        <a:xfrm>
-          <a:off x="0" y="0"/>
-          <a:ext cx="0" cy="0"/>
-          <a:chOff x="0" y="0"/>
-          <a:chExt cx="0" cy="0"/>
-        </a:xfrm>
-      </p:grpSpPr>
-      <p:sp>
-        <p:nvSpPr>
-          <p:cNvPr id="4" name="Title 3">
-            <a:extLst>
-              <a:ext uri="{FF2B5EF4-FFF2-40B4-BE49-F238E27FC236}">
-                <a16:creationId xmlns:a16="http://schemas.microsoft.com/office/drawing/2014/main" id="{78388626-0EAA-4D9E-8CF3-7A4BF2BFC268}"/>
-              </a:ext>
-            </a:extLst>
-          </p:cNvPr>
-          <p:cNvSpPr>
-            <a:spLocks noGrp="1"/>
-          </p:cNvSpPr>
-          <p:nvPr>
-            <p:ph type="title"/>
-          </p:nvPr>
-        </p:nvSpPr>
-        <p:spPr/>
-        <p:txBody>
-          <a:bodyPr/>
-          <a:lstStyle/>
-          <a:p>
-            <a:r>
-              <a:rPr lang="en-US" dirty="0"/>
-              <a:t>Three Tracks </a:t>
-            </a:r>
-          </a:p>
-        </p:txBody>
-      </p:sp>
-      <p:sp>
-        <p:nvSpPr>
-          <p:cNvPr id="5" name="Text Placeholder 4">
-            <a:extLst>
-              <a:ext uri="{FF2B5EF4-FFF2-40B4-BE49-F238E27FC236}">
-                <a16:creationId xmlns:a16="http://schemas.microsoft.com/office/drawing/2014/main" id="{B802BDC1-5A25-4D7D-978B-1F054F1981D9}"/>
-              </a:ext>
-            </a:extLst>
-          </p:cNvPr>
-          <p:cNvSpPr>
-            <a:spLocks noGrp="1"/>
-          </p:cNvSpPr>
-          <p:nvPr>
-            <p:ph type="body" idx="1"/>
-          </p:nvPr>
-        </p:nvSpPr>
-        <p:spPr/>
-        <p:txBody>
-          <a:bodyPr/>
-          <a:lstStyle/>
-          <a:p>
-            <a:r>
-              <a:rPr lang="en-US" dirty="0"/>
-              <a:t>Nano Data Center Track</a:t>
-            </a:r>
-          </a:p>
-        </p:txBody>
-      </p:sp>
-      <p:sp>
-        <p:nvSpPr>
-          <p:cNvPr id="6" name="Content Placeholder 5">
-            <a:extLst>
-              <a:ext uri="{FF2B5EF4-FFF2-40B4-BE49-F238E27FC236}">
-                <a16:creationId xmlns:a16="http://schemas.microsoft.com/office/drawing/2014/main" id="{2071BCA4-6F34-4A21-A98D-0D45ACE3E9B1}"/>
-              </a:ext>
-            </a:extLst>
-          </p:cNvPr>
-          <p:cNvSpPr>
-            <a:spLocks noGrp="1"/>
-          </p:cNvSpPr>
-          <p:nvPr>
-            <p:ph sz="half" idx="2"/>
-          </p:nvPr>
-        </p:nvSpPr>
-        <p:spPr/>
-        <p:txBody>
-          <a:bodyPr>
-            <a:normAutofit fontScale="92500"/>
-          </a:bodyPr>
-          <a:lstStyle/>
-          <a:p>
-            <a:r>
-              <a:rPr lang="en-US" dirty="0"/>
-              <a:t>This section is concerned with the concept behind data centers and the software that is used in the is used in the Nano Data Center. </a:t>
-            </a:r>
-          </a:p>
-          <a:p>
-            <a:r>
-              <a:rPr lang="en-US" dirty="0"/>
-              <a:t>After the Nano Data Center, the IOT infrastructure will be presented. </a:t>
-            </a:r>
-          </a:p>
-        </p:txBody>
-      </p:sp>
-      <p:sp>
-        <p:nvSpPr>
-          <p:cNvPr id="7" name="Text Placeholder 6">
-            <a:extLst>
-              <a:ext uri="{FF2B5EF4-FFF2-40B4-BE49-F238E27FC236}">
-                <a16:creationId xmlns:a16="http://schemas.microsoft.com/office/drawing/2014/main" id="{7328707C-63D5-4903-A919-42CC19089D22}"/>
-              </a:ext>
-            </a:extLst>
-          </p:cNvPr>
-          <p:cNvSpPr>
-            <a:spLocks noGrp="1"/>
-          </p:cNvSpPr>
-          <p:nvPr>
-            <p:ph type="body" sz="quarter" idx="3"/>
-          </p:nvPr>
-        </p:nvSpPr>
-        <p:spPr/>
-        <p:txBody>
-          <a:bodyPr/>
-          <a:lstStyle/>
-          <a:p>
-            <a:r>
-              <a:rPr lang="en-US" dirty="0"/>
-              <a:t>Embedded Track</a:t>
-            </a:r>
-          </a:p>
-        </p:txBody>
-      </p:sp>
-      <p:sp>
-        <p:nvSpPr>
-          <p:cNvPr id="8" name="Content Placeholder 7">
-            <a:extLst>
-              <a:ext uri="{FF2B5EF4-FFF2-40B4-BE49-F238E27FC236}">
-                <a16:creationId xmlns:a16="http://schemas.microsoft.com/office/drawing/2014/main" id="{81A8AD15-0BD0-4237-B893-3AB87CBBB2FA}"/>
-              </a:ext>
-            </a:extLst>
-          </p:cNvPr>
-          <p:cNvSpPr>
-            <a:spLocks noGrp="1"/>
-          </p:cNvSpPr>
-          <p:nvPr>
-            <p:ph sz="quarter" idx="4"/>
-          </p:nvPr>
-        </p:nvSpPr>
-        <p:spPr/>
-        <p:txBody>
-          <a:bodyPr>
-            <a:normAutofit fontScale="92500"/>
-          </a:bodyPr>
-          <a:lstStyle/>
-          <a:p>
-            <a:r>
-              <a:rPr lang="en-US" dirty="0"/>
-              <a:t>All IOT projects are welcome to being discussed.  Our first task will be to turn the vending machine shell to an IOT vending machine</a:t>
-            </a:r>
-          </a:p>
-          <a:p>
-            <a:r>
-              <a:rPr lang="en-US" dirty="0"/>
-              <a:t>The project will be run like as a company would design and put the unit into production.</a:t>
-            </a:r>
-          </a:p>
-          <a:p>
-            <a:r>
-              <a:rPr lang="en-US" dirty="0"/>
-              <a:t>Areas such manufacturing and servicing will be addressed</a:t>
-            </a:r>
-          </a:p>
-        </p:txBody>
-      </p:sp>
-    </p:spTree>
-    <p:extLst>
-      <p:ext uri="{BB962C8B-B14F-4D97-AF65-F5344CB8AC3E}">
-        <p14:creationId xmlns:p14="http://schemas.microsoft.com/office/powerpoint/2010/main" val="4089451878"/>
       </p:ext>
     </p:extLst>
   </p:cSld>
